--- a/dokumente/Präsentation.pptx
+++ b/dokumente/Präsentation.pptx
@@ -117,6 +117,11 @@
       </a:defRPr>
     </a:lvl9pPr>
   </p:defaultTextStyle>
+  <p:extLst>
+    <p:ext uri="{EFAFB233-063F-42B5-8137-9DF3F51BA10A}">
+      <p15:sldGuideLst xmlns:p15="http://schemas.microsoft.com/office/powerpoint/2012/main"/>
+    </p:ext>
+  </p:extLst>
 </p:presentation>
 </file>
 
@@ -251,7 +256,7 @@
           <a:p>
             <a:fld id="{C6ADFC81-DCA6-4835-8EFD-59B659C7B24E}" type="datetimeFigureOut">
               <a:rPr lang="de-DE" smtClean="0"/>
-              <a:t>29.05.2025</a:t>
+              <a:t>02.06.2025</a:t>
             </a:fld>
             <a:endParaRPr lang="de-DE"/>
           </a:p>
@@ -421,7 +426,7 @@
           <a:p>
             <a:fld id="{C6ADFC81-DCA6-4835-8EFD-59B659C7B24E}" type="datetimeFigureOut">
               <a:rPr lang="de-DE" smtClean="0"/>
-              <a:t>29.05.2025</a:t>
+              <a:t>02.06.2025</a:t>
             </a:fld>
             <a:endParaRPr lang="de-DE"/>
           </a:p>
@@ -601,7 +606,7 @@
           <a:p>
             <a:fld id="{C6ADFC81-DCA6-4835-8EFD-59B659C7B24E}" type="datetimeFigureOut">
               <a:rPr lang="de-DE" smtClean="0"/>
-              <a:t>29.05.2025</a:t>
+              <a:t>02.06.2025</a:t>
             </a:fld>
             <a:endParaRPr lang="de-DE"/>
           </a:p>
@@ -771,7 +776,7 @@
           <a:p>
             <a:fld id="{C6ADFC81-DCA6-4835-8EFD-59B659C7B24E}" type="datetimeFigureOut">
               <a:rPr lang="de-DE" smtClean="0"/>
-              <a:t>29.05.2025</a:t>
+              <a:t>02.06.2025</a:t>
             </a:fld>
             <a:endParaRPr lang="de-DE"/>
           </a:p>
@@ -1017,7 +1022,7 @@
           <a:p>
             <a:fld id="{C6ADFC81-DCA6-4835-8EFD-59B659C7B24E}" type="datetimeFigureOut">
               <a:rPr lang="de-DE" smtClean="0"/>
-              <a:t>29.05.2025</a:t>
+              <a:t>02.06.2025</a:t>
             </a:fld>
             <a:endParaRPr lang="de-DE"/>
           </a:p>
@@ -1249,7 +1254,7 @@
           <a:p>
             <a:fld id="{C6ADFC81-DCA6-4835-8EFD-59B659C7B24E}" type="datetimeFigureOut">
               <a:rPr lang="de-DE" smtClean="0"/>
-              <a:t>29.05.2025</a:t>
+              <a:t>02.06.2025</a:t>
             </a:fld>
             <a:endParaRPr lang="de-DE"/>
           </a:p>
@@ -1616,7 +1621,7 @@
           <a:p>
             <a:fld id="{C6ADFC81-DCA6-4835-8EFD-59B659C7B24E}" type="datetimeFigureOut">
               <a:rPr lang="de-DE" smtClean="0"/>
-              <a:t>29.05.2025</a:t>
+              <a:t>02.06.2025</a:t>
             </a:fld>
             <a:endParaRPr lang="de-DE"/>
           </a:p>
@@ -1734,7 +1739,7 @@
           <a:p>
             <a:fld id="{C6ADFC81-DCA6-4835-8EFD-59B659C7B24E}" type="datetimeFigureOut">
               <a:rPr lang="de-DE" smtClean="0"/>
-              <a:t>29.05.2025</a:t>
+              <a:t>02.06.2025</a:t>
             </a:fld>
             <a:endParaRPr lang="de-DE"/>
           </a:p>
@@ -1829,7 +1834,7 @@
           <a:p>
             <a:fld id="{C6ADFC81-DCA6-4835-8EFD-59B659C7B24E}" type="datetimeFigureOut">
               <a:rPr lang="de-DE" smtClean="0"/>
-              <a:t>29.05.2025</a:t>
+              <a:t>02.06.2025</a:t>
             </a:fld>
             <a:endParaRPr lang="de-DE"/>
           </a:p>
@@ -2106,7 +2111,7 @@
           <a:p>
             <a:fld id="{C6ADFC81-DCA6-4835-8EFD-59B659C7B24E}" type="datetimeFigureOut">
               <a:rPr lang="de-DE" smtClean="0"/>
-              <a:t>29.05.2025</a:t>
+              <a:t>02.06.2025</a:t>
             </a:fld>
             <a:endParaRPr lang="de-DE"/>
           </a:p>
@@ -2363,7 +2368,7 @@
           <a:p>
             <a:fld id="{C6ADFC81-DCA6-4835-8EFD-59B659C7B24E}" type="datetimeFigureOut">
               <a:rPr lang="de-DE" smtClean="0"/>
-              <a:t>29.05.2025</a:t>
+              <a:t>02.06.2025</a:t>
             </a:fld>
             <a:endParaRPr lang="de-DE"/>
           </a:p>
@@ -2581,7 +2586,7 @@
           <a:p>
             <a:fld id="{C6ADFC81-DCA6-4835-8EFD-59B659C7B24E}" type="datetimeFigureOut">
               <a:rPr lang="de-DE" smtClean="0"/>
-              <a:t>29.05.2025</a:t>
+              <a:t>02.06.2025</a:t>
             </a:fld>
             <a:endParaRPr lang="de-DE"/>
           </a:p>

--- a/dokumente/Präsentation.pptx
+++ b/dokumente/Präsentation.pptx
@@ -16,9 +16,7 @@
     <p:sldId id="260" r:id="rId10"/>
     <p:sldId id="269" r:id="rId11"/>
     <p:sldId id="262" r:id="rId12"/>
-    <p:sldId id="263" r:id="rId13"/>
-    <p:sldId id="265" r:id="rId14"/>
-    <p:sldId id="264" r:id="rId15"/>
+    <p:sldId id="265" r:id="rId13"/>
   </p:sldIdLst>
   <p:sldSz cx="12192000" cy="6858000"/>
   <p:notesSz cx="6858000" cy="9144000"/>
@@ -256,7 +254,7 @@
           <a:p>
             <a:fld id="{C6ADFC81-DCA6-4835-8EFD-59B659C7B24E}" type="datetimeFigureOut">
               <a:rPr lang="de-DE" smtClean="0"/>
-              <a:t>02.06.2025</a:t>
+              <a:t>04.06.2025</a:t>
             </a:fld>
             <a:endParaRPr lang="de-DE"/>
           </a:p>
@@ -426,7 +424,7 @@
           <a:p>
             <a:fld id="{C6ADFC81-DCA6-4835-8EFD-59B659C7B24E}" type="datetimeFigureOut">
               <a:rPr lang="de-DE" smtClean="0"/>
-              <a:t>02.06.2025</a:t>
+              <a:t>04.06.2025</a:t>
             </a:fld>
             <a:endParaRPr lang="de-DE"/>
           </a:p>
@@ -606,7 +604,7 @@
           <a:p>
             <a:fld id="{C6ADFC81-DCA6-4835-8EFD-59B659C7B24E}" type="datetimeFigureOut">
               <a:rPr lang="de-DE" smtClean="0"/>
-              <a:t>02.06.2025</a:t>
+              <a:t>04.06.2025</a:t>
             </a:fld>
             <a:endParaRPr lang="de-DE"/>
           </a:p>
@@ -776,7 +774,7 @@
           <a:p>
             <a:fld id="{C6ADFC81-DCA6-4835-8EFD-59B659C7B24E}" type="datetimeFigureOut">
               <a:rPr lang="de-DE" smtClean="0"/>
-              <a:t>02.06.2025</a:t>
+              <a:t>04.06.2025</a:t>
             </a:fld>
             <a:endParaRPr lang="de-DE"/>
           </a:p>
@@ -1022,7 +1020,7 @@
           <a:p>
             <a:fld id="{C6ADFC81-DCA6-4835-8EFD-59B659C7B24E}" type="datetimeFigureOut">
               <a:rPr lang="de-DE" smtClean="0"/>
-              <a:t>02.06.2025</a:t>
+              <a:t>04.06.2025</a:t>
             </a:fld>
             <a:endParaRPr lang="de-DE"/>
           </a:p>
@@ -1254,7 +1252,7 @@
           <a:p>
             <a:fld id="{C6ADFC81-DCA6-4835-8EFD-59B659C7B24E}" type="datetimeFigureOut">
               <a:rPr lang="de-DE" smtClean="0"/>
-              <a:t>02.06.2025</a:t>
+              <a:t>04.06.2025</a:t>
             </a:fld>
             <a:endParaRPr lang="de-DE"/>
           </a:p>
@@ -1621,7 +1619,7 @@
           <a:p>
             <a:fld id="{C6ADFC81-DCA6-4835-8EFD-59B659C7B24E}" type="datetimeFigureOut">
               <a:rPr lang="de-DE" smtClean="0"/>
-              <a:t>02.06.2025</a:t>
+              <a:t>04.06.2025</a:t>
             </a:fld>
             <a:endParaRPr lang="de-DE"/>
           </a:p>
@@ -1739,7 +1737,7 @@
           <a:p>
             <a:fld id="{C6ADFC81-DCA6-4835-8EFD-59B659C7B24E}" type="datetimeFigureOut">
               <a:rPr lang="de-DE" smtClean="0"/>
-              <a:t>02.06.2025</a:t>
+              <a:t>04.06.2025</a:t>
             </a:fld>
             <a:endParaRPr lang="de-DE"/>
           </a:p>
@@ -1834,7 +1832,7 @@
           <a:p>
             <a:fld id="{C6ADFC81-DCA6-4835-8EFD-59B659C7B24E}" type="datetimeFigureOut">
               <a:rPr lang="de-DE" smtClean="0"/>
-              <a:t>02.06.2025</a:t>
+              <a:t>04.06.2025</a:t>
             </a:fld>
             <a:endParaRPr lang="de-DE"/>
           </a:p>
@@ -2111,7 +2109,7 @@
           <a:p>
             <a:fld id="{C6ADFC81-DCA6-4835-8EFD-59B659C7B24E}" type="datetimeFigureOut">
               <a:rPr lang="de-DE" smtClean="0"/>
-              <a:t>02.06.2025</a:t>
+              <a:t>04.06.2025</a:t>
             </a:fld>
             <a:endParaRPr lang="de-DE"/>
           </a:p>
@@ -2368,7 +2366,7 @@
           <a:p>
             <a:fld id="{C6ADFC81-DCA6-4835-8EFD-59B659C7B24E}" type="datetimeFigureOut">
               <a:rPr lang="de-DE" smtClean="0"/>
-              <a:t>02.06.2025</a:t>
+              <a:t>04.06.2025</a:t>
             </a:fld>
             <a:endParaRPr lang="de-DE"/>
           </a:p>
@@ -2586,7 +2584,7 @@
           <a:p>
             <a:fld id="{C6ADFC81-DCA6-4835-8EFD-59B659C7B24E}" type="datetimeFigureOut">
               <a:rPr lang="de-DE" smtClean="0"/>
-              <a:t>02.06.2025</a:t>
+              <a:t>04.06.2025</a:t>
             </a:fld>
             <a:endParaRPr lang="de-DE"/>
           </a:p>
@@ -3761,8 +3759,8 @@
         </p:nvSpPr>
         <p:spPr>
           <a:xfrm>
-            <a:off x="1494000" y="2951946"/>
-            <a:ext cx="3225782" cy="954107"/>
+            <a:off x="1494000" y="2736503"/>
+            <a:ext cx="3225782" cy="1384995"/>
           </a:xfrm>
           <a:prstGeom prst="rect">
             <a:avLst/>
@@ -3798,6 +3796,19 @@
                 <a:ea typeface="Roboto" panose="02000000000000000000" pitchFamily="2" charset="0"/>
               </a:rPr>
               <a:t>Tutorial</a:t>
+            </a:r>
+          </a:p>
+          <a:p>
+            <a:pPr marL="285750" indent="-285750">
+              <a:buFont typeface="Courier New" panose="02070309020205020404" pitchFamily="49" charset="0"/>
+              <a:buChar char="o"/>
+            </a:pPr>
+            <a:r>
+              <a:rPr lang="de-DE" sz="2800" dirty="0">
+                <a:latin typeface="Roboto" panose="02000000000000000000" pitchFamily="2" charset="0"/>
+                <a:ea typeface="Roboto" panose="02000000000000000000" pitchFamily="2" charset="0"/>
+              </a:rPr>
+              <a:t>Tutorial-Spiel</a:t>
             </a:r>
           </a:p>
         </p:txBody>
@@ -3899,276 +3910,6 @@
         <p:cNvPr id="1" name="">
           <a:extLst>
             <a:ext uri="{FF2B5EF4-FFF2-40B4-BE49-F238E27FC236}">
-              <a16:creationId xmlns:a16="http://schemas.microsoft.com/office/drawing/2014/main" id="{0DB69E0F-28BB-29DD-2AE3-523B82450F7A}"/>
-            </a:ext>
-          </a:extLst>
-        </p:cNvPr>
-        <p:cNvGrpSpPr/>
-        <p:nvPr/>
-      </p:nvGrpSpPr>
-      <p:grpSpPr>
-        <a:xfrm>
-          <a:off x="0" y="0"/>
-          <a:ext cx="0" cy="0"/>
-          <a:chOff x="0" y="0"/>
-          <a:chExt cx="0" cy="0"/>
-        </a:xfrm>
-      </p:grpSpPr>
-      <p:sp>
-        <p:nvSpPr>
-          <p:cNvPr id="12" name="Textfeld 11">
-            <a:extLst>
-              <a:ext uri="{FF2B5EF4-FFF2-40B4-BE49-F238E27FC236}">
-                <a16:creationId xmlns:a16="http://schemas.microsoft.com/office/drawing/2014/main" id="{AE8275CB-69AA-648E-4856-F49CDD42CB4A}"/>
-              </a:ext>
-            </a:extLst>
-          </p:cNvPr>
-          <p:cNvSpPr txBox="1"/>
-          <p:nvPr/>
-        </p:nvSpPr>
-        <p:spPr>
-          <a:xfrm>
-            <a:off x="0" y="6581001"/>
-            <a:ext cx="2532888" cy="276999"/>
-          </a:xfrm>
-          <a:prstGeom prst="rect">
-            <a:avLst/>
-          </a:prstGeom>
-          <a:noFill/>
-        </p:spPr>
-        <p:txBody>
-          <a:bodyPr wrap="square" rtlCol="0">
-            <a:spAutoFit/>
-          </a:bodyPr>
-          <a:lstStyle/>
-          <a:p>
-            <a:r>
-              <a:rPr lang="de-DE" sz="1200" dirty="0">
-                <a:latin typeface="Roboto" panose="02000000000000000000" pitchFamily="2" charset="0"/>
-                <a:ea typeface="Roboto" panose="02000000000000000000" pitchFamily="2" charset="0"/>
-              </a:rPr>
-              <a:t>Nico Brauer &amp; Joschua Stammherr</a:t>
-            </a:r>
-          </a:p>
-        </p:txBody>
-      </p:sp>
-      <p:sp>
-        <p:nvSpPr>
-          <p:cNvPr id="13" name="Textfeld 12">
-            <a:extLst>
-              <a:ext uri="{FF2B5EF4-FFF2-40B4-BE49-F238E27FC236}">
-                <a16:creationId xmlns:a16="http://schemas.microsoft.com/office/drawing/2014/main" id="{2652FB5A-52DA-5CA1-4D97-A03E6EBD2524}"/>
-              </a:ext>
-            </a:extLst>
-          </p:cNvPr>
-          <p:cNvSpPr txBox="1"/>
-          <p:nvPr/>
-        </p:nvSpPr>
-        <p:spPr>
-          <a:xfrm>
-            <a:off x="0" y="0"/>
-            <a:ext cx="1487424" cy="276999"/>
-          </a:xfrm>
-          <a:prstGeom prst="rect">
-            <a:avLst/>
-          </a:prstGeom>
-          <a:noFill/>
-        </p:spPr>
-        <p:txBody>
-          <a:bodyPr wrap="square" rtlCol="0">
-            <a:spAutoFit/>
-          </a:bodyPr>
-          <a:lstStyle/>
-          <a:p>
-            <a:r>
-              <a:rPr lang="de-DE" sz="1200" dirty="0">
-                <a:latin typeface="Roboto" panose="02000000000000000000" pitchFamily="2" charset="0"/>
-                <a:ea typeface="Roboto" panose="02000000000000000000" pitchFamily="2" charset="0"/>
-              </a:rPr>
-              <a:t>Escape - JOSCHUA</a:t>
-            </a:r>
-          </a:p>
-        </p:txBody>
-      </p:sp>
-      <p:sp>
-        <p:nvSpPr>
-          <p:cNvPr id="2" name="Textfeld 1">
-            <a:extLst>
-              <a:ext uri="{FF2B5EF4-FFF2-40B4-BE49-F238E27FC236}">
-                <a16:creationId xmlns:a16="http://schemas.microsoft.com/office/drawing/2014/main" id="{289F1EB3-0D4A-5378-7D14-0D062CBA0B21}"/>
-              </a:ext>
-            </a:extLst>
-          </p:cNvPr>
-          <p:cNvSpPr txBox="1"/>
-          <p:nvPr/>
-        </p:nvSpPr>
-        <p:spPr>
-          <a:xfrm>
-            <a:off x="3206519" y="540000"/>
-            <a:ext cx="5778962" cy="923330"/>
-          </a:xfrm>
-          <a:prstGeom prst="rect">
-            <a:avLst/>
-          </a:prstGeom>
-          <a:noFill/>
-        </p:spPr>
-        <p:txBody>
-          <a:bodyPr wrap="square" rtlCol="0">
-            <a:spAutoFit/>
-          </a:bodyPr>
-          <a:lstStyle/>
-          <a:p>
-            <a:pPr algn="ctr"/>
-            <a:r>
-              <a:rPr lang="de-DE" sz="5400" dirty="0">
-                <a:latin typeface="Impact" panose="020B0806030902050204" pitchFamily="34" charset="0"/>
-              </a:rPr>
-              <a:t>Zukunftsaussichten</a:t>
-            </a:r>
-          </a:p>
-        </p:txBody>
-      </p:sp>
-      <p:sp>
-        <p:nvSpPr>
-          <p:cNvPr id="3" name="Textfeld 2">
-            <a:extLst>
-              <a:ext uri="{FF2B5EF4-FFF2-40B4-BE49-F238E27FC236}">
-                <a16:creationId xmlns:a16="http://schemas.microsoft.com/office/drawing/2014/main" id="{606E4714-99AF-9437-D2B8-D7F2C1286A8D}"/>
-              </a:ext>
-            </a:extLst>
-          </p:cNvPr>
-          <p:cNvSpPr txBox="1"/>
-          <p:nvPr/>
-        </p:nvSpPr>
-        <p:spPr>
-          <a:xfrm>
-            <a:off x="7439377" y="3167390"/>
-            <a:ext cx="2593446" cy="523220"/>
-          </a:xfrm>
-          <a:prstGeom prst="rect">
-            <a:avLst/>
-          </a:prstGeom>
-          <a:noFill/>
-        </p:spPr>
-        <p:txBody>
-          <a:bodyPr wrap="square" rtlCol="0">
-            <a:spAutoFit/>
-          </a:bodyPr>
-          <a:lstStyle/>
-          <a:p>
-            <a:pPr marL="285750" indent="-285750">
-              <a:buFont typeface="Courier New" panose="02070309020205020404" pitchFamily="49" charset="0"/>
-              <a:buChar char="o"/>
-            </a:pPr>
-            <a:r>
-              <a:rPr lang="de-DE" sz="2800" dirty="0">
-                <a:latin typeface="Roboto" panose="02000000000000000000" pitchFamily="2" charset="0"/>
-                <a:ea typeface="Roboto" panose="02000000000000000000" pitchFamily="2" charset="0"/>
-              </a:rPr>
-              <a:t>Tutorial Spiel</a:t>
-            </a:r>
-          </a:p>
-        </p:txBody>
-      </p:sp>
-      <p:pic>
-        <p:nvPicPr>
-          <p:cNvPr id="6" name="Grafik 5">
-            <a:extLst>
-              <a:ext uri="{FF2B5EF4-FFF2-40B4-BE49-F238E27FC236}">
-                <a16:creationId xmlns:a16="http://schemas.microsoft.com/office/drawing/2014/main" id="{0B1DF8A4-ACC6-8DCC-909B-71FA4A5CB71B}"/>
-              </a:ext>
-            </a:extLst>
-          </p:cNvPr>
-          <p:cNvPicPr>
-            <a:picLocks noChangeAspect="1"/>
-          </p:cNvPicPr>
-          <p:nvPr/>
-        </p:nvPicPr>
-        <p:blipFill>
-          <a:blip r:embed="rId2">
-            <a:extLst>
-              <a:ext uri="{28A0092B-C50C-407E-A947-70E740481C1C}">
-                <a14:useLocalDpi xmlns:a14="http://schemas.microsoft.com/office/drawing/2010/main" val="0"/>
-              </a:ext>
-              <a:ext uri="{837473B0-CC2E-450A-ABE3-18F120FF3D39}">
-                <a1611:picAttrSrcUrl xmlns:a1611="http://schemas.microsoft.com/office/drawing/2016/11/main" r:id="rId3"/>
-              </a:ext>
-            </a:extLst>
-          </a:blip>
-          <a:stretch>
-            <a:fillRect/>
-          </a:stretch>
-        </p:blipFill>
-        <p:spPr>
-          <a:xfrm>
-            <a:off x="1818247" y="2124438"/>
-            <a:ext cx="4277753" cy="3132344"/>
-          </a:xfrm>
-          <a:prstGeom prst="rect">
-            <a:avLst/>
-          </a:prstGeom>
-        </p:spPr>
-      </p:pic>
-      <p:sp>
-        <p:nvSpPr>
-          <p:cNvPr id="8" name="Textfeld 7">
-            <a:extLst>
-              <a:ext uri="{FF2B5EF4-FFF2-40B4-BE49-F238E27FC236}">
-                <a16:creationId xmlns:a16="http://schemas.microsoft.com/office/drawing/2014/main" id="{D84D3EF7-4AC9-2DBC-D681-87D6FAC09792}"/>
-              </a:ext>
-            </a:extLst>
-          </p:cNvPr>
-          <p:cNvSpPr txBox="1"/>
-          <p:nvPr/>
-        </p:nvSpPr>
-        <p:spPr>
-          <a:xfrm>
-            <a:off x="11831782" y="6581001"/>
-            <a:ext cx="360218" cy="276999"/>
-          </a:xfrm>
-          <a:prstGeom prst="rect">
-            <a:avLst/>
-          </a:prstGeom>
-          <a:noFill/>
-        </p:spPr>
-        <p:txBody>
-          <a:bodyPr wrap="square" rtlCol="0">
-            <a:spAutoFit/>
-          </a:bodyPr>
-          <a:lstStyle/>
-          <a:p>
-            <a:pPr algn="ctr"/>
-            <a:r>
-              <a:rPr lang="de-DE" sz="1200" dirty="0">
-                <a:latin typeface="Roboto" panose="02000000000000000000" pitchFamily="2" charset="0"/>
-                <a:ea typeface="Roboto" panose="02000000000000000000" pitchFamily="2" charset="0"/>
-              </a:rPr>
-              <a:t>11</a:t>
-            </a:r>
-          </a:p>
-        </p:txBody>
-      </p:sp>
-    </p:spTree>
-    <p:extLst>
-      <p:ext uri="{BB962C8B-B14F-4D97-AF65-F5344CB8AC3E}">
-        <p14:creationId xmlns:p14="http://schemas.microsoft.com/office/powerpoint/2010/main" val="3222141874"/>
-      </p:ext>
-    </p:extLst>
-  </p:cSld>
-  <p:clrMapOvr>
-    <a:masterClrMapping/>
-  </p:clrMapOvr>
-</p:sld>
-</file>
-
-<file path=ppt/slides/slide13.xml><?xml version="1.0" encoding="utf-8"?>
-<p:sld xmlns:a="http://schemas.openxmlformats.org/drawingml/2006/main" xmlns:r="http://schemas.openxmlformats.org/officeDocument/2006/relationships" xmlns:p="http://schemas.openxmlformats.org/presentationml/2006/main">
-  <p:cSld>
-    <p:spTree>
-      <p:nvGrpSpPr>
-        <p:cNvPr id="1" name="">
-          <a:extLst>
-            <a:ext uri="{FF2B5EF4-FFF2-40B4-BE49-F238E27FC236}">
               <a16:creationId xmlns:a16="http://schemas.microsoft.com/office/drawing/2014/main" id="{84B2D5D8-67A8-AA27-30DE-EF37E6C791FD}"/>
             </a:ext>
           </a:extLst>
@@ -4400,7 +4141,7 @@
                 <a:latin typeface="Roboto" panose="02000000000000000000" pitchFamily="2" charset="0"/>
                 <a:ea typeface="Roboto" panose="02000000000000000000" pitchFamily="2" charset="0"/>
               </a:rPr>
-              <a:t>12</a:t>
+              <a:t>11</a:t>
             </a:r>
           </a:p>
         </p:txBody>
@@ -4409,237 +4150,6 @@
     <p:extLst>
       <p:ext uri="{BB962C8B-B14F-4D97-AF65-F5344CB8AC3E}">
         <p14:creationId xmlns:p14="http://schemas.microsoft.com/office/powerpoint/2010/main" val="49171157"/>
-      </p:ext>
-    </p:extLst>
-  </p:cSld>
-  <p:clrMapOvr>
-    <a:masterClrMapping/>
-  </p:clrMapOvr>
-</p:sld>
-</file>
-
-<file path=ppt/slides/slide14.xml><?xml version="1.0" encoding="utf-8"?>
-<p:sld xmlns:a="http://schemas.openxmlformats.org/drawingml/2006/main" xmlns:r="http://schemas.openxmlformats.org/officeDocument/2006/relationships" xmlns:p="http://schemas.openxmlformats.org/presentationml/2006/main">
-  <p:cSld>
-    <p:spTree>
-      <p:nvGrpSpPr>
-        <p:cNvPr id="1" name="">
-          <a:extLst>
-            <a:ext uri="{FF2B5EF4-FFF2-40B4-BE49-F238E27FC236}">
-              <a16:creationId xmlns:a16="http://schemas.microsoft.com/office/drawing/2014/main" id="{FF35B8EC-B1FA-3DD5-E412-F520ED80ABA9}"/>
-            </a:ext>
-          </a:extLst>
-        </p:cNvPr>
-        <p:cNvGrpSpPr/>
-        <p:nvPr/>
-      </p:nvGrpSpPr>
-      <p:grpSpPr>
-        <a:xfrm>
-          <a:off x="0" y="0"/>
-          <a:ext cx="0" cy="0"/>
-          <a:chOff x="0" y="0"/>
-          <a:chExt cx="0" cy="0"/>
-        </a:xfrm>
-      </p:grpSpPr>
-      <p:sp>
-        <p:nvSpPr>
-          <p:cNvPr id="12" name="Textfeld 11">
-            <a:extLst>
-              <a:ext uri="{FF2B5EF4-FFF2-40B4-BE49-F238E27FC236}">
-                <a16:creationId xmlns:a16="http://schemas.microsoft.com/office/drawing/2014/main" id="{876959D8-C211-5CDD-16D7-2DD9DBEF97D6}"/>
-              </a:ext>
-            </a:extLst>
-          </p:cNvPr>
-          <p:cNvSpPr txBox="1"/>
-          <p:nvPr/>
-        </p:nvSpPr>
-        <p:spPr>
-          <a:xfrm>
-            <a:off x="0" y="6581001"/>
-            <a:ext cx="2532888" cy="276999"/>
-          </a:xfrm>
-          <a:prstGeom prst="rect">
-            <a:avLst/>
-          </a:prstGeom>
-          <a:noFill/>
-        </p:spPr>
-        <p:txBody>
-          <a:bodyPr wrap="square" rtlCol="0">
-            <a:spAutoFit/>
-          </a:bodyPr>
-          <a:lstStyle/>
-          <a:p>
-            <a:r>
-              <a:rPr lang="de-DE" sz="1200" dirty="0">
-                <a:latin typeface="Roboto" panose="02000000000000000000" pitchFamily="2" charset="0"/>
-                <a:ea typeface="Roboto" panose="02000000000000000000" pitchFamily="2" charset="0"/>
-              </a:rPr>
-              <a:t>Nico Brauer &amp; Joschua Stammherr</a:t>
-            </a:r>
-          </a:p>
-        </p:txBody>
-      </p:sp>
-      <p:sp>
-        <p:nvSpPr>
-          <p:cNvPr id="13" name="Textfeld 12">
-            <a:extLst>
-              <a:ext uri="{FF2B5EF4-FFF2-40B4-BE49-F238E27FC236}">
-                <a16:creationId xmlns:a16="http://schemas.microsoft.com/office/drawing/2014/main" id="{56F53B3F-55EC-A18E-C8DE-27D4FF219EDB}"/>
-              </a:ext>
-            </a:extLst>
-          </p:cNvPr>
-          <p:cNvSpPr txBox="1"/>
-          <p:nvPr/>
-        </p:nvSpPr>
-        <p:spPr>
-          <a:xfrm>
-            <a:off x="0" y="0"/>
-            <a:ext cx="1487424" cy="276999"/>
-          </a:xfrm>
-          <a:prstGeom prst="rect">
-            <a:avLst/>
-          </a:prstGeom>
-          <a:noFill/>
-        </p:spPr>
-        <p:txBody>
-          <a:bodyPr wrap="square" rtlCol="0">
-            <a:spAutoFit/>
-          </a:bodyPr>
-          <a:lstStyle/>
-          <a:p>
-            <a:r>
-              <a:rPr lang="de-DE" sz="1200" dirty="0">
-                <a:latin typeface="Roboto" panose="02000000000000000000" pitchFamily="2" charset="0"/>
-                <a:ea typeface="Roboto" panose="02000000000000000000" pitchFamily="2" charset="0"/>
-              </a:rPr>
-              <a:t>Escape - JOSCHUA</a:t>
-            </a:r>
-          </a:p>
-        </p:txBody>
-      </p:sp>
-      <p:sp>
-        <p:nvSpPr>
-          <p:cNvPr id="2" name="Textfeld 1">
-            <a:extLst>
-              <a:ext uri="{FF2B5EF4-FFF2-40B4-BE49-F238E27FC236}">
-                <a16:creationId xmlns:a16="http://schemas.microsoft.com/office/drawing/2014/main" id="{02C3CF2D-B742-58B4-0428-B64940765727}"/>
-              </a:ext>
-            </a:extLst>
-          </p:cNvPr>
-          <p:cNvSpPr txBox="1"/>
-          <p:nvPr/>
-        </p:nvSpPr>
-        <p:spPr>
-          <a:xfrm>
-            <a:off x="3206519" y="540000"/>
-            <a:ext cx="5778962" cy="923330"/>
-          </a:xfrm>
-          <a:prstGeom prst="rect">
-            <a:avLst/>
-          </a:prstGeom>
-          <a:noFill/>
-        </p:spPr>
-        <p:txBody>
-          <a:bodyPr wrap="square" rtlCol="0">
-            <a:spAutoFit/>
-          </a:bodyPr>
-          <a:lstStyle/>
-          <a:p>
-            <a:pPr algn="ctr"/>
-            <a:r>
-              <a:rPr lang="de-DE" sz="5400" dirty="0">
-                <a:latin typeface="Impact" panose="020B0806030902050204" pitchFamily="34" charset="0"/>
-              </a:rPr>
-              <a:t>Quellenverzeichnis</a:t>
-            </a:r>
-          </a:p>
-        </p:txBody>
-      </p:sp>
-      <p:sp>
-        <p:nvSpPr>
-          <p:cNvPr id="3" name="Textfeld 2">
-            <a:extLst>
-              <a:ext uri="{FF2B5EF4-FFF2-40B4-BE49-F238E27FC236}">
-                <a16:creationId xmlns:a16="http://schemas.microsoft.com/office/drawing/2014/main" id="{8176C7A5-EE48-9403-D6E5-7A2946BFB413}"/>
-              </a:ext>
-            </a:extLst>
-          </p:cNvPr>
-          <p:cNvSpPr txBox="1"/>
-          <p:nvPr/>
-        </p:nvSpPr>
-        <p:spPr>
-          <a:xfrm>
-            <a:off x="4799277" y="3167390"/>
-            <a:ext cx="2593446" cy="523220"/>
-          </a:xfrm>
-          <a:prstGeom prst="rect">
-            <a:avLst/>
-          </a:prstGeom>
-          <a:noFill/>
-        </p:spPr>
-        <p:txBody>
-          <a:bodyPr wrap="square" rtlCol="0">
-            <a:spAutoFit/>
-          </a:bodyPr>
-          <a:lstStyle/>
-          <a:p>
-            <a:pPr marL="285750" indent="-285750" algn="ctr">
-              <a:buFont typeface="Courier New" panose="02070309020205020404" pitchFamily="49" charset="0"/>
-              <a:buChar char="o"/>
-            </a:pPr>
-            <a:r>
-              <a:rPr lang="de-DE" sz="2800" dirty="0">
-                <a:latin typeface="Roboto" panose="02000000000000000000" pitchFamily="2" charset="0"/>
-                <a:ea typeface="Roboto" panose="02000000000000000000" pitchFamily="2" charset="0"/>
-              </a:rPr>
-              <a:t>Statistiklink</a:t>
-            </a:r>
-          </a:p>
-        </p:txBody>
-      </p:sp>
-      <p:sp>
-        <p:nvSpPr>
-          <p:cNvPr id="4" name="Textfeld 3">
-            <a:extLst>
-              <a:ext uri="{FF2B5EF4-FFF2-40B4-BE49-F238E27FC236}">
-                <a16:creationId xmlns:a16="http://schemas.microsoft.com/office/drawing/2014/main" id="{39488514-A8ED-6CA5-A7F2-404087172306}"/>
-              </a:ext>
-            </a:extLst>
-          </p:cNvPr>
-          <p:cNvSpPr txBox="1"/>
-          <p:nvPr/>
-        </p:nvSpPr>
-        <p:spPr>
-          <a:xfrm>
-            <a:off x="11831782" y="6581001"/>
-            <a:ext cx="360218" cy="276999"/>
-          </a:xfrm>
-          <a:prstGeom prst="rect">
-            <a:avLst/>
-          </a:prstGeom>
-          <a:noFill/>
-        </p:spPr>
-        <p:txBody>
-          <a:bodyPr wrap="square" rtlCol="0">
-            <a:spAutoFit/>
-          </a:bodyPr>
-          <a:lstStyle/>
-          <a:p>
-            <a:pPr algn="ctr"/>
-            <a:r>
-              <a:rPr lang="de-DE" sz="1200" dirty="0">
-                <a:latin typeface="Roboto" panose="02000000000000000000" pitchFamily="2" charset="0"/>
-                <a:ea typeface="Roboto" panose="02000000000000000000" pitchFamily="2" charset="0"/>
-              </a:rPr>
-              <a:t>13</a:t>
-            </a:r>
-          </a:p>
-        </p:txBody>
-      </p:sp>
-    </p:spTree>
-    <p:extLst>
-      <p:ext uri="{BB962C8B-B14F-4D97-AF65-F5344CB8AC3E}">
-        <p14:creationId xmlns:p14="http://schemas.microsoft.com/office/powerpoint/2010/main" val="1930993522"/>
       </p:ext>
     </p:extLst>
   </p:cSld>
@@ -6285,8 +5795,8 @@
         </p:nvSpPr>
         <p:spPr>
           <a:xfrm>
-            <a:off x="3840480" y="540000"/>
-            <a:ext cx="4511040" cy="923330"/>
+            <a:off x="3576828" y="540000"/>
+            <a:ext cx="5038344" cy="923330"/>
           </a:xfrm>
           <a:prstGeom prst="rect">
             <a:avLst/>
@@ -6304,17 +5814,17 @@
               <a:rPr lang="de-DE" sz="5400" dirty="0">
                 <a:latin typeface="Impact" panose="020B0806030902050204" pitchFamily="34" charset="0"/>
               </a:rPr>
-              <a:t>Hard-/Software</a:t>
-            </a:r>
-          </a:p>
-        </p:txBody>
-      </p:sp>
-      <p:sp>
-        <p:nvSpPr>
-          <p:cNvPr id="3" name="Textfeld 2">
+              <a:t>Programmierung</a:t>
+            </a:r>
+          </a:p>
+        </p:txBody>
+      </p:sp>
+      <p:sp>
+        <p:nvSpPr>
+          <p:cNvPr id="4" name="Textfeld 3">
             <a:extLst>
               <a:ext uri="{FF2B5EF4-FFF2-40B4-BE49-F238E27FC236}">
-                <a16:creationId xmlns:a16="http://schemas.microsoft.com/office/drawing/2014/main" id="{6B8B8A15-C974-B300-D419-061C85A59DA6}"/>
+                <a16:creationId xmlns:a16="http://schemas.microsoft.com/office/drawing/2014/main" id="{4FFF6A1D-0C20-7DD2-E527-7494E9C1E26F}"/>
               </a:ext>
             </a:extLst>
           </p:cNvPr>
@@ -6323,76 +5833,8 @@
         </p:nvSpPr>
         <p:spPr>
           <a:xfrm>
-            <a:off x="1495044" y="2863396"/>
-            <a:ext cx="3570732" cy="1384995"/>
-          </a:xfrm>
-          <a:prstGeom prst="rect">
-            <a:avLst/>
-          </a:prstGeom>
-          <a:noFill/>
-        </p:spPr>
-        <p:txBody>
-          <a:bodyPr wrap="square" rtlCol="0">
-            <a:spAutoFit/>
-          </a:bodyPr>
-          <a:lstStyle/>
-          <a:p>
-            <a:r>
-              <a:rPr lang="de-DE" sz="2800" dirty="0">
-                <a:latin typeface="Roboto" panose="02000000000000000000" pitchFamily="2" charset="0"/>
-                <a:ea typeface="Roboto" panose="02000000000000000000" pitchFamily="2" charset="0"/>
-              </a:rPr>
-              <a:t>Hardware</a:t>
-            </a:r>
-            <a:endParaRPr lang="de-DE" sz="1600" dirty="0">
-              <a:latin typeface="Roboto" panose="02000000000000000000" pitchFamily="2" charset="0"/>
-              <a:ea typeface="Roboto" panose="02000000000000000000" pitchFamily="2" charset="0"/>
-            </a:endParaRPr>
-          </a:p>
-          <a:p>
-            <a:pPr marL="285750" indent="-285750">
-              <a:buFont typeface="Courier New" panose="02070309020205020404" pitchFamily="49" charset="0"/>
-              <a:buChar char="o"/>
-            </a:pPr>
-            <a:r>
-              <a:rPr lang="de-DE" sz="2800" dirty="0">
-                <a:latin typeface="Roboto" panose="02000000000000000000" pitchFamily="2" charset="0"/>
-                <a:ea typeface="Roboto" panose="02000000000000000000" pitchFamily="2" charset="0"/>
-              </a:rPr>
-              <a:t>Laptop</a:t>
-            </a:r>
-          </a:p>
-          <a:p>
-            <a:pPr marL="285750" indent="-285750">
-              <a:buFont typeface="Courier New" panose="02070309020205020404" pitchFamily="49" charset="0"/>
-              <a:buChar char="o"/>
-            </a:pPr>
-            <a:r>
-              <a:rPr lang="de-DE" sz="2800" dirty="0">
-                <a:latin typeface="Roboto" panose="02000000000000000000" pitchFamily="2" charset="0"/>
-                <a:ea typeface="Roboto" panose="02000000000000000000" pitchFamily="2" charset="0"/>
-              </a:rPr>
-              <a:t>Heimrechner</a:t>
-            </a:r>
-          </a:p>
-        </p:txBody>
-      </p:sp>
-      <p:sp>
-        <p:nvSpPr>
-          <p:cNvPr id="4" name="Textfeld 3">
-            <a:extLst>
-              <a:ext uri="{FF2B5EF4-FFF2-40B4-BE49-F238E27FC236}">
-                <a16:creationId xmlns:a16="http://schemas.microsoft.com/office/drawing/2014/main" id="{4FFF6A1D-0C20-7DD2-E527-7494E9C1E26F}"/>
-              </a:ext>
-            </a:extLst>
-          </p:cNvPr>
-          <p:cNvSpPr txBox="1"/>
-          <p:nvPr/>
-        </p:nvSpPr>
-        <p:spPr>
-          <a:xfrm>
-            <a:off x="6473952" y="2863396"/>
-            <a:ext cx="4223004" cy="1815882"/>
+            <a:off x="1494000" y="2521059"/>
+            <a:ext cx="3273552" cy="1815882"/>
           </a:xfrm>
           <a:prstGeom prst="rect">
             <a:avLst/>
